--- a/_SLIDES/2020_DEEL2/H1-OOP/les 1 _ oo intro.pptx
+++ b/_SLIDES/2020_DEEL2/H1-OOP/les 1 _ oo intro.pptx
@@ -236,7 +236,7 @@
           <a:p>
             <a:fld id="{1254F3E3-81C2-4B38-A6A9-786852A8B13E}" type="datetimeFigureOut">
               <a:rPr lang="nl-BE" smtClean="0"/>
-              <a:t>14/01/2021</a:t>
+              <a:t>12/02/2021</a:t>
             </a:fld>
             <a:endParaRPr lang="nl-BE"/>
           </a:p>
@@ -1927,7 +1927,7 @@
           <a:p>
             <a:fld id="{2661A00B-007A-4326-8859-8C83DD4C6E5D}" type="datetimeFigureOut">
               <a:rPr lang="nl-BE" smtClean="0"/>
-              <a:t>14/01/2021</a:t>
+              <a:t>12/02/2021</a:t>
             </a:fld>
             <a:endParaRPr lang="nl-BE"/>
           </a:p>
@@ -2220,7 +2220,7 @@
           <a:p>
             <a:fld id="{2661A00B-007A-4326-8859-8C83DD4C6E5D}" type="datetimeFigureOut">
               <a:rPr lang="nl-BE" smtClean="0"/>
-              <a:t>14/01/2021</a:t>
+              <a:t>12/02/2021</a:t>
             </a:fld>
             <a:endParaRPr lang="nl-BE"/>
           </a:p>
@@ -2440,7 +2440,7 @@
           <a:p>
             <a:fld id="{2661A00B-007A-4326-8859-8C83DD4C6E5D}" type="datetimeFigureOut">
               <a:rPr lang="nl-BE" smtClean="0"/>
-              <a:t>14/01/2021</a:t>
+              <a:t>12/02/2021</a:t>
             </a:fld>
             <a:endParaRPr lang="nl-BE"/>
           </a:p>
@@ -2681,7 +2681,7 @@
           <a:p>
             <a:fld id="{2661A00B-007A-4326-8859-8C83DD4C6E5D}" type="datetimeFigureOut">
               <a:rPr lang="nl-BE" smtClean="0"/>
-              <a:t>14/01/2021</a:t>
+              <a:t>12/02/2021</a:t>
             </a:fld>
             <a:endParaRPr lang="nl-BE"/>
           </a:p>
@@ -2967,7 +2967,7 @@
           <a:p>
             <a:fld id="{2661A00B-007A-4326-8859-8C83DD4C6E5D}" type="datetimeFigureOut">
               <a:rPr lang="nl-BE" smtClean="0"/>
-              <a:t>14/01/2021</a:t>
+              <a:t>12/02/2021</a:t>
             </a:fld>
             <a:endParaRPr lang="nl-BE"/>
           </a:p>
@@ -3245,7 +3245,7 @@
           <a:p>
             <a:fld id="{2661A00B-007A-4326-8859-8C83DD4C6E5D}" type="datetimeFigureOut">
               <a:rPr lang="nl-BE" smtClean="0"/>
-              <a:t>14/01/2021</a:t>
+              <a:t>12/02/2021</a:t>
             </a:fld>
             <a:endParaRPr lang="nl-BE"/>
           </a:p>
@@ -3670,7 +3670,7 @@
           <a:p>
             <a:fld id="{2661A00B-007A-4326-8859-8C83DD4C6E5D}" type="datetimeFigureOut">
               <a:rPr lang="nl-BE" smtClean="0"/>
-              <a:t>14/01/2021</a:t>
+              <a:t>12/02/2021</a:t>
             </a:fld>
             <a:endParaRPr lang="nl-BE"/>
           </a:p>
@@ -3822,7 +3822,7 @@
           <a:p>
             <a:fld id="{2661A00B-007A-4326-8859-8C83DD4C6E5D}" type="datetimeFigureOut">
               <a:rPr lang="nl-BE" smtClean="0"/>
-              <a:t>14/01/2021</a:t>
+              <a:t>12/02/2021</a:t>
             </a:fld>
             <a:endParaRPr lang="nl-BE"/>
           </a:p>
@@ -3945,7 +3945,7 @@
           <a:p>
             <a:fld id="{2661A00B-007A-4326-8859-8C83DD4C6E5D}" type="datetimeFigureOut">
               <a:rPr lang="nl-BE" smtClean="0"/>
-              <a:t>14/01/2021</a:t>
+              <a:t>12/02/2021</a:t>
             </a:fld>
             <a:endParaRPr lang="nl-BE"/>
           </a:p>
@@ -4268,7 +4268,7 @@
           <a:p>
             <a:fld id="{2661A00B-007A-4326-8859-8C83DD4C6E5D}" type="datetimeFigureOut">
               <a:rPr lang="nl-BE" smtClean="0"/>
-              <a:t>14/01/2021</a:t>
+              <a:t>12/02/2021</a:t>
             </a:fld>
             <a:endParaRPr lang="nl-BE"/>
           </a:p>
@@ -4571,7 +4571,7 @@
           <a:p>
             <a:fld id="{2661A00B-007A-4326-8859-8C83DD4C6E5D}" type="datetimeFigureOut">
               <a:rPr lang="nl-BE" smtClean="0"/>
-              <a:t>14/01/2021</a:t>
+              <a:t>12/02/2021</a:t>
             </a:fld>
             <a:endParaRPr lang="nl-BE"/>
           </a:p>
@@ -4824,7 +4824,7 @@
           <a:p>
             <a:fld id="{2661A00B-007A-4326-8859-8C83DD4C6E5D}" type="datetimeFigureOut">
               <a:rPr lang="nl-BE" smtClean="0"/>
-              <a:t>14/01/2021</a:t>
+              <a:t>12/02/2021</a:t>
             </a:fld>
             <a:endParaRPr lang="nl-BE"/>
           </a:p>
@@ -16877,8 +16877,8 @@
         </p:nvSpPr>
         <p:spPr>
           <a:xfrm>
-            <a:off x="1981200" y="1676400"/>
-            <a:ext cx="8305800" cy="4572000"/>
+            <a:off x="558140" y="1676400"/>
+            <a:ext cx="9728860" cy="4572000"/>
           </a:xfrm>
         </p:spPr>
         <p:txBody>
@@ -16920,19 +16920,11 @@
             </a:r>
             <a:r>
               <a:rPr lang="en-US" dirty="0" err="1"/>
-              <a:t>variabelen</a:t>
+              <a:t>instantievariabelen,properties</a:t>
             </a:r>
             <a:r>
               <a:rPr lang="en-US" dirty="0"/>
-              <a:t> </a:t>
-            </a:r>
-            <a:r>
-              <a:rPr lang="en-US" dirty="0" err="1"/>
-              <a:t>en</a:t>
-            </a:r>
-            <a:r>
-              <a:rPr lang="en-US" dirty="0"/>
-              <a:t> </a:t>
+              <a:t> en </a:t>
             </a:r>
             <a:r>
               <a:rPr lang="en-US" dirty="0" err="1"/>
@@ -17573,7 +17565,7 @@
 </file>
 
 <file path=ppt/slides/slide9.xml><?xml version="1.0" encoding="utf-8"?>
-<p:sld xmlns:a="http://schemas.openxmlformats.org/drawingml/2006/main" xmlns:r="http://schemas.openxmlformats.org/officeDocument/2006/relationships" xmlns:p="http://schemas.openxmlformats.org/presentationml/2006/main">
+<p:sld xmlns:a="http://schemas.openxmlformats.org/drawingml/2006/main" xmlns:r="http://schemas.openxmlformats.org/officeDocument/2006/relationships" xmlns:p="http://schemas.openxmlformats.org/presentationml/2006/main" show="0">
   <p:cSld>
     <p:spTree>
       <p:nvGrpSpPr>
@@ -17814,7 +17806,7 @@
         </p:blipFill>
         <p:spPr bwMode="auto">
           <a:xfrm>
-            <a:off x="3149601" y="1714500"/>
+            <a:off x="6306974" y="1825625"/>
             <a:ext cx="3286125" cy="2000250"/>
           </a:xfrm>
           <a:prstGeom prst="rect">
@@ -17846,7 +17838,7 @@
         </p:blipFill>
         <p:spPr bwMode="auto">
           <a:xfrm>
-            <a:off x="3881439" y="4535488"/>
+            <a:off x="6992774" y="4462462"/>
             <a:ext cx="2600325" cy="2076450"/>
           </a:xfrm>
           <a:prstGeom prst="rect">
